--- a/LCC/Java/就業認證課程開班簡報-1.16 Java程式開發 週日.pptx
+++ b/LCC/Java/就業認證課程開班簡報-1.16 Java程式開發 週日.pptx
@@ -241,7 +241,7 @@
           <a:p>
             <a:fld id="{5906D774-52FA-4552-9278-8871F8D0D510}" type="datetimeFigureOut">
               <a:rPr lang="en-US" smtClean="0"/>
-              <a:t>3/20/2022</a:t>
+              <a:t>4/9/2022</a:t>
             </a:fld>
             <a:endParaRPr lang="en-US"/>
           </a:p>
@@ -418,7 +418,7 @@
           <a:p>
             <a:fld id="{DEE66C52-80BE-4770-9469-2B53534CDE0D}" type="datetimeFigureOut">
               <a:rPr lang="zh-CN" altLang="en-US" smtClean="0"/>
-              <a:t>2022/3/20</a:t>
+              <a:t>2022/4/9</a:t>
             </a:fld>
             <a:endParaRPr lang="zh-CN" altLang="en-US"/>
           </a:p>
@@ -928,7 +928,7 @@
           <a:p>
             <a:fld id="{C764DE79-268F-4C1A-8933-263129D2AF90}" type="datetimeFigureOut">
               <a:rPr lang="en-US" dirty="0"/>
-              <a:t>3/20/2022</a:t>
+              <a:t>4/9/2022</a:t>
             </a:fld>
             <a:endParaRPr lang="en-US" dirty="0"/>
           </a:p>
@@ -1138,7 +1138,7 @@
           <a:p>
             <a:fld id="{C764DE79-268F-4C1A-8933-263129D2AF90}" type="datetimeFigureOut">
               <a:rPr lang="en-US" dirty="0"/>
-              <a:t>3/20/2022</a:t>
+              <a:t>4/9/2022</a:t>
             </a:fld>
             <a:endParaRPr lang="en-US" dirty="0"/>
           </a:p>
@@ -1348,7 +1348,7 @@
           <a:p>
             <a:fld id="{C764DE79-268F-4C1A-8933-263129D2AF90}" type="datetimeFigureOut">
               <a:rPr lang="en-US" dirty="0"/>
-              <a:t>3/20/2022</a:t>
+              <a:t>4/9/2022</a:t>
             </a:fld>
             <a:endParaRPr lang="en-US" dirty="0"/>
           </a:p>
@@ -2495,7 +2495,7 @@
                 </a:solidFill>
               </a:rPr>
               <a:pPr defTabSz="914400"/>
-              <a:t>2022/3/20</a:t>
+              <a:t>2022/4/9</a:t>
             </a:fld>
             <a:endParaRPr lang="zh-CN" altLang="en-US">
               <a:solidFill>
@@ -2736,7 +2736,7 @@
           <a:p>
             <a:fld id="{C764DE79-268F-4C1A-8933-263129D2AF90}" type="datetimeFigureOut">
               <a:rPr lang="en-US" dirty="0"/>
-              <a:t>3/20/2022</a:t>
+              <a:t>4/9/2022</a:t>
             </a:fld>
             <a:endParaRPr lang="en-US" dirty="0"/>
           </a:p>
@@ -2950,7 +2950,7 @@
                 </a:solidFill>
               </a:rPr>
               <a:pPr defTabSz="914400"/>
-              <a:t>2022/3/20</a:t>
+              <a:t>2022/4/9</a:t>
             </a:fld>
             <a:endParaRPr lang="zh-CN" altLang="en-US">
               <a:solidFill>
@@ -3209,7 +3209,7 @@
           <a:p>
             <a:fld id="{C764DE79-268F-4C1A-8933-263129D2AF90}" type="datetimeFigureOut">
               <a:rPr lang="en-US" dirty="0"/>
-              <a:t>3/20/2022</a:t>
+              <a:t>4/9/2022</a:t>
             </a:fld>
             <a:endParaRPr lang="en-US" dirty="0"/>
           </a:p>
@@ -3485,7 +3485,7 @@
           <a:p>
             <a:fld id="{C764DE79-268F-4C1A-8933-263129D2AF90}" type="datetimeFigureOut">
               <a:rPr lang="en-US" dirty="0"/>
-              <a:t>3/20/2022</a:t>
+              <a:t>4/9/2022</a:t>
             </a:fld>
             <a:endParaRPr lang="en-US" dirty="0"/>
           </a:p>
@@ -3755,7 +3755,7 @@
           <a:p>
             <a:fld id="{C764DE79-268F-4C1A-8933-263129D2AF90}" type="datetimeFigureOut">
               <a:rPr lang="en-US" dirty="0"/>
-              <a:t>3/20/2022</a:t>
+              <a:t>4/9/2022</a:t>
             </a:fld>
             <a:endParaRPr lang="en-US" dirty="0"/>
           </a:p>
@@ -4161,7 +4161,7 @@
           <a:p>
             <a:fld id="{C764DE79-268F-4C1A-8933-263129D2AF90}" type="datetimeFigureOut">
               <a:rPr lang="en-US" dirty="0"/>
-              <a:t>3/20/2022</a:t>
+              <a:t>4/9/2022</a:t>
             </a:fld>
             <a:endParaRPr lang="en-US" dirty="0"/>
           </a:p>
@@ -4411,7 +4411,7 @@
           <a:p>
             <a:fld id="{C764DE79-268F-4C1A-8933-263129D2AF90}" type="datetimeFigureOut">
               <a:rPr lang="en-US" dirty="0"/>
-              <a:t>3/20/2022</a:t>
+              <a:t>4/9/2022</a:t>
             </a:fld>
             <a:endParaRPr lang="en-US" dirty="0"/>
           </a:p>
@@ -4530,7 +4530,7 @@
           <a:p>
             <a:fld id="{C764DE79-268F-4C1A-8933-263129D2AF90}" type="datetimeFigureOut">
               <a:rPr lang="en-US" dirty="0"/>
-              <a:t>3/20/2022</a:t>
+              <a:t>4/9/2022</a:t>
             </a:fld>
             <a:endParaRPr lang="en-US" dirty="0"/>
           </a:p>
@@ -4840,7 +4840,7 @@
           <a:p>
             <a:fld id="{C764DE79-268F-4C1A-8933-263129D2AF90}" type="datetimeFigureOut">
               <a:rPr lang="en-US" dirty="0"/>
-              <a:t>3/20/2022</a:t>
+              <a:t>4/9/2022</a:t>
             </a:fld>
             <a:endParaRPr lang="en-US" dirty="0"/>
           </a:p>
@@ -6015,7 +6015,7 @@
                 <a:cs typeface="+mn-ea"/>
                 <a:sym typeface="+mn-lt"/>
               </a:rPr>
-              <a:t>3</a:t>
+              <a:t>4</a:t>
             </a:r>
             <a:r>
               <a:rPr lang="zh-TW" altLang="en-US" sz="2000" b="1" spc="300" dirty="0" smtClean="0">
@@ -6035,7 +6035,17 @@
                 <a:cs typeface="+mn-ea"/>
                 <a:sym typeface="+mn-lt"/>
               </a:rPr>
-              <a:t>20(</a:t>
+              <a:t>10</a:t>
+            </a:r>
+            <a:r>
+              <a:rPr lang="en-US" altLang="zh-TW" sz="2000" b="1" spc="300" dirty="0" smtClean="0">
+                <a:solidFill>
+                  <a:schemeClr val="bg1"/>
+                </a:solidFill>
+                <a:cs typeface="+mn-ea"/>
+                <a:sym typeface="+mn-lt"/>
+              </a:rPr>
+              <a:t>(</a:t>
             </a:r>
             <a:r>
               <a:rPr lang="zh-TW" altLang="en-US" sz="2000" b="1" spc="300" dirty="0" smtClean="0">
@@ -12228,7 +12238,7 @@
         </p:nvSpPr>
         <p:spPr>
           <a:xfrm>
-            <a:off x="6226598" y="1628126"/>
+            <a:off x="8112532" y="1641600"/>
             <a:ext cx="928800" cy="947996"/>
           </a:xfrm>
           <a:prstGeom prst="rect">
